--- a/Лекции/ООП 1 лек 3.pptx
+++ b/Лекции/ООП 1 лек 3.pptx
@@ -265,7 +265,7 @@
             <a:fld id="{AA2F9473-F066-431E-A6E8-1D478C995A6B}" type="datetimeFigureOut">
               <a:rPr lang="en-US" smtClean="0"/>
               <a:pPr/>
-              <a:t>3/2/2025</a:t>
+              <a:t>4/4/2025</a:t>
             </a:fld>
             <a:endParaRPr lang="en-US"/>
           </a:p>
@@ -14284,9 +14284,6 @@
               </a:rPr>
               <a:t>).</a:t>
             </a:r>
-            <a:endParaRPr lang="ru-RU" sz="2400" dirty="0" smtClean="0">
-              <a:latin typeface="Bookman Old Style" panose="02050604050505020204" pitchFamily="18" charset="0"/>
-            </a:endParaRPr>
           </a:p>
         </p:txBody>
       </p:sp>
@@ -15049,19 +15046,7 @@
               <a:rPr lang="ru-RU" sz="2400" dirty="0" smtClean="0">
                 <a:latin typeface="Bookman Old Style" panose="02050604050505020204" pitchFamily="18" charset="0"/>
               </a:rPr>
-              <a:t>Доп</a:t>
-            </a:r>
-            <a:r>
-              <a:rPr lang="ru-RU" sz="2400" dirty="0" smtClean="0">
-                <a:latin typeface="Bookman Old Style" panose="02050604050505020204" pitchFamily="18" charset="0"/>
-              </a:rPr>
-              <a:t>. </a:t>
-            </a:r>
-            <a:r>
-              <a:rPr lang="ru-RU" sz="2400" dirty="0" smtClean="0">
-                <a:latin typeface="Bookman Old Style" panose="02050604050505020204" pitchFamily="18" charset="0"/>
-              </a:rPr>
-              <a:t>материал </a:t>
+              <a:t>Доп. материал </a:t>
             </a:r>
             <a:r>
               <a:rPr lang="en-US" sz="2400" dirty="0" smtClean="0">

--- a/Лекции/ООП 1 лек 3.pptx
+++ b/Лекции/ООП 1 лек 3.pptx
@@ -265,7 +265,7 @@
             <a:fld id="{AA2F9473-F066-431E-A6E8-1D478C995A6B}" type="datetimeFigureOut">
               <a:rPr lang="en-US" smtClean="0"/>
               <a:pPr/>
-              <a:t>4/4/2025</a:t>
+              <a:t>4/15/2025</a:t>
             </a:fld>
             <a:endParaRPr lang="en-US"/>
           </a:p>
@@ -6510,7 +6510,31 @@
                 <a:latin typeface="Bookman Old Style" panose="02050604050505020204" pitchFamily="18" charset="0"/>
                 <a:cs typeface="Times New Roman" panose="02020603050405020304" pitchFamily="18" charset="0"/>
               </a:rPr>
-              <a:t>ASP NET</a:t>
+              <a:t>ASP</a:t>
+            </a:r>
+            <a:r>
+              <a:rPr lang="ru-RU" sz="2800" b="1" dirty="0">
+                <a:solidFill>
+                  <a:schemeClr val="tx2">
+                    <a:lumMod val="50000"/>
+                  </a:schemeClr>
+                </a:solidFill>
+                <a:latin typeface="Bookman Old Style" panose="02050604050505020204" pitchFamily="18" charset="0"/>
+                <a:cs typeface="Times New Roman" panose="02020603050405020304" pitchFamily="18" charset="0"/>
+              </a:rPr>
+              <a:t>.</a:t>
+            </a:r>
+            <a:r>
+              <a:rPr lang="en-US" sz="2800" b="1" dirty="0" smtClean="0">
+                <a:solidFill>
+                  <a:schemeClr val="tx2">
+                    <a:lumMod val="50000"/>
+                  </a:schemeClr>
+                </a:solidFill>
+                <a:latin typeface="Bookman Old Style" panose="02050604050505020204" pitchFamily="18" charset="0"/>
+                <a:cs typeface="Times New Roman" panose="02020603050405020304" pitchFamily="18" charset="0"/>
+              </a:rPr>
+              <a:t>NET</a:t>
             </a:r>
             <a:r>
               <a:rPr lang="ru-RU" sz="2800" b="1" dirty="0" smtClean="0">
